--- a/files/submission_study.pptx
+++ b/files/submission_study.pptx
@@ -5156,7 +5156,7 @@
                 <a:latin typeface="Noto Sans KR Black" panose="020B0200000000000000" pitchFamily="50" charset="-127"/>
                 <a:ea typeface="Noto Sans KR Black" panose="020B0200000000000000" pitchFamily="50" charset="-127"/>
               </a:rPr>
-              <a:t>(77</a:t>
+              <a:t>(58</a:t>
             </a:r>
             <a:r>
               <a:rPr lang="ko-KR" altLang="en-US" sz="3200" dirty="0">
@@ -7798,7 +7798,7 @@
                 <a:latin typeface="Noto Sans KR Black" panose="020B0200000000000000" pitchFamily="50" charset="-127"/>
                 <a:ea typeface="Noto Sans KR Black" panose="020B0200000000000000" pitchFamily="50" charset="-127"/>
               </a:rPr>
-              <a:t>(77</a:t>
+              <a:t>(58</a:t>
             </a:r>
             <a:r>
               <a:rPr lang="ko-KR" altLang="en-US" sz="3200" dirty="0">
@@ -9175,7 +9175,7 @@
                 <a:latin typeface="Noto Sans KR Black" panose="020B0200000000000000" pitchFamily="50" charset="-127"/>
                 <a:ea typeface="Noto Sans KR Black" panose="020B0200000000000000" pitchFamily="50" charset="-127"/>
               </a:rPr>
-              <a:t>(77</a:t>
+              <a:t>(58</a:t>
             </a:r>
             <a:r>
               <a:rPr lang="ko-KR" altLang="en-US" sz="3200" dirty="0">
